--- a/doc/theory.pptx
+++ b/doc/theory.pptx
@@ -5,10 +5,11 @@
     <p:sldMasterId id="2147483648" r:id="rId1"/>
   </p:sldMasterIdLst>
   <p:sldIdLst>
-    <p:sldId id="256" r:id="rId2"/>
+    <p:sldId id="257" r:id="rId2"/>
+    <p:sldId id="256" r:id="rId3"/>
   </p:sldIdLst>
   <p:sldSz cx="12192000" cy="6858000"/>
-  <p:notesSz cx="7010400" cy="9296400"/>
+  <p:notesSz cx="7315200" cy="9601200"/>
   <p:defaultTextStyle>
     <a:defPPr>
       <a:defRPr lang="en-US"/>
@@ -245,7 +246,7 @@
           <a:p>
             <a:fld id="{1ED5E418-0243-4A3B-8489-539860445B46}" type="datetimeFigureOut">
               <a:rPr lang="en-US" smtClean="0"/>
-              <a:t>5/23/2017</a:t>
+              <a:t>6/1/2017</a:t>
             </a:fld>
             <a:endParaRPr lang="en-US"/>
           </a:p>
@@ -413,7 +414,7 @@
           <a:p>
             <a:fld id="{1ED5E418-0243-4A3B-8489-539860445B46}" type="datetimeFigureOut">
               <a:rPr lang="en-US" smtClean="0"/>
-              <a:t>5/23/2017</a:t>
+              <a:t>6/1/2017</a:t>
             </a:fld>
             <a:endParaRPr lang="en-US"/>
           </a:p>
@@ -591,7 +592,7 @@
           <a:p>
             <a:fld id="{1ED5E418-0243-4A3B-8489-539860445B46}" type="datetimeFigureOut">
               <a:rPr lang="en-US" smtClean="0"/>
-              <a:t>5/23/2017</a:t>
+              <a:t>6/1/2017</a:t>
             </a:fld>
             <a:endParaRPr lang="en-US"/>
           </a:p>
@@ -759,7 +760,7 @@
           <a:p>
             <a:fld id="{1ED5E418-0243-4A3B-8489-539860445B46}" type="datetimeFigureOut">
               <a:rPr lang="en-US" smtClean="0"/>
-              <a:t>5/23/2017</a:t>
+              <a:t>6/1/2017</a:t>
             </a:fld>
             <a:endParaRPr lang="en-US"/>
           </a:p>
@@ -1004,7 +1005,7 @@
           <a:p>
             <a:fld id="{1ED5E418-0243-4A3B-8489-539860445B46}" type="datetimeFigureOut">
               <a:rPr lang="en-US" smtClean="0"/>
-              <a:t>5/23/2017</a:t>
+              <a:t>6/1/2017</a:t>
             </a:fld>
             <a:endParaRPr lang="en-US"/>
           </a:p>
@@ -1233,7 +1234,7 @@
           <a:p>
             <a:fld id="{1ED5E418-0243-4A3B-8489-539860445B46}" type="datetimeFigureOut">
               <a:rPr lang="en-US" smtClean="0"/>
-              <a:t>5/23/2017</a:t>
+              <a:t>6/1/2017</a:t>
             </a:fld>
             <a:endParaRPr lang="en-US"/>
           </a:p>
@@ -1597,7 +1598,7 @@
           <a:p>
             <a:fld id="{1ED5E418-0243-4A3B-8489-539860445B46}" type="datetimeFigureOut">
               <a:rPr lang="en-US" smtClean="0"/>
-              <a:t>5/23/2017</a:t>
+              <a:t>6/1/2017</a:t>
             </a:fld>
             <a:endParaRPr lang="en-US"/>
           </a:p>
@@ -1714,7 +1715,7 @@
           <a:p>
             <a:fld id="{1ED5E418-0243-4A3B-8489-539860445B46}" type="datetimeFigureOut">
               <a:rPr lang="en-US" smtClean="0"/>
-              <a:t>5/23/2017</a:t>
+              <a:t>6/1/2017</a:t>
             </a:fld>
             <a:endParaRPr lang="en-US"/>
           </a:p>
@@ -1809,7 +1810,7 @@
           <a:p>
             <a:fld id="{1ED5E418-0243-4A3B-8489-539860445B46}" type="datetimeFigureOut">
               <a:rPr lang="en-US" smtClean="0"/>
-              <a:t>5/23/2017</a:t>
+              <a:t>6/1/2017</a:t>
             </a:fld>
             <a:endParaRPr lang="en-US"/>
           </a:p>
@@ -2084,7 +2085,7 @@
           <a:p>
             <a:fld id="{1ED5E418-0243-4A3B-8489-539860445B46}" type="datetimeFigureOut">
               <a:rPr lang="en-US" smtClean="0"/>
-              <a:t>5/23/2017</a:t>
+              <a:t>6/1/2017</a:t>
             </a:fld>
             <a:endParaRPr lang="en-US"/>
           </a:p>
@@ -2336,7 +2337,7 @@
           <a:p>
             <a:fld id="{1ED5E418-0243-4A3B-8489-539860445B46}" type="datetimeFigureOut">
               <a:rPr lang="en-US" smtClean="0"/>
-              <a:t>5/23/2017</a:t>
+              <a:t>6/1/2017</a:t>
             </a:fld>
             <a:endParaRPr lang="en-US"/>
           </a:p>
@@ -2547,7 +2548,7 @@
           <a:p>
             <a:fld id="{1ED5E418-0243-4A3B-8489-539860445B46}" type="datetimeFigureOut">
               <a:rPr lang="en-US" smtClean="0"/>
-              <a:t>5/23/2017</a:t>
+              <a:t>6/1/2017</a:t>
             </a:fld>
             <a:endParaRPr lang="en-US"/>
           </a:p>
@@ -2936,6 +2937,1884 @@
 </file>
 
 <file path=ppt/slides/slide1.xml><?xml version="1.0" encoding="utf-8"?>
+<p:sld xmlns:a="http://schemas.openxmlformats.org/drawingml/2006/main" xmlns:r="http://schemas.openxmlformats.org/officeDocument/2006/relationships" xmlns:p="http://schemas.openxmlformats.org/presentationml/2006/main">
+  <p:cSld>
+    <p:spTree>
+      <p:nvGrpSpPr>
+        <p:cNvPr id="1" name=""/>
+        <p:cNvGrpSpPr/>
+        <p:nvPr/>
+      </p:nvGrpSpPr>
+      <p:grpSpPr>
+        <a:xfrm>
+          <a:off x="0" y="0"/>
+          <a:ext cx="0" cy="0"/>
+          <a:chOff x="0" y="0"/>
+          <a:chExt cx="0" cy="0"/>
+        </a:xfrm>
+      </p:grpSpPr>
+      <p:sp>
+        <p:nvSpPr>
+          <p:cNvPr id="216" name="Rectangle 215"/>
+          <p:cNvSpPr/>
+          <p:nvPr/>
+        </p:nvSpPr>
+        <p:spPr>
+          <a:xfrm rot="5400000">
+            <a:off x="8079930" y="2922641"/>
+            <a:ext cx="4161227" cy="3872051"/>
+          </a:xfrm>
+          <a:prstGeom prst="rect">
+            <a:avLst/>
+          </a:prstGeom>
+          <a:solidFill>
+            <a:srgbClr val="FFC000">
+              <a:alpha val="20000"/>
+            </a:srgbClr>
+          </a:solidFill>
+          <a:ln>
+            <a:noFill/>
+          </a:ln>
+        </p:spPr>
+        <p:style>
+          <a:lnRef idx="2">
+            <a:schemeClr val="accent1">
+              <a:shade val="50000"/>
+            </a:schemeClr>
+          </a:lnRef>
+          <a:fillRef idx="1">
+            <a:schemeClr val="accent1"/>
+          </a:fillRef>
+          <a:effectRef idx="0">
+            <a:schemeClr val="accent1"/>
+          </a:effectRef>
+          <a:fontRef idx="minor">
+            <a:schemeClr val="lt1"/>
+          </a:fontRef>
+        </p:style>
+        <p:txBody>
+          <a:bodyPr rtlCol="0" anchor="ctr"/>
+          <a:lstStyle/>
+          <a:p>
+            <a:pPr algn="ctr"/>
+            <a:endParaRPr lang="en-US"/>
+          </a:p>
+        </p:txBody>
+      </p:sp>
+      <p:sp>
+        <p:nvSpPr>
+          <p:cNvPr id="217" name="Rectangle 216"/>
+          <p:cNvSpPr/>
+          <p:nvPr/>
+        </p:nvSpPr>
+        <p:spPr>
+          <a:xfrm rot="10800000">
+            <a:off x="8213090" y="2778760"/>
+            <a:ext cx="3892550" cy="4114800"/>
+          </a:xfrm>
+          <a:prstGeom prst="rect">
+            <a:avLst/>
+          </a:prstGeom>
+          <a:gradFill>
+            <a:gsLst>
+              <a:gs pos="0">
+                <a:schemeClr val="bg1">
+                  <a:alpha val="0"/>
+                </a:schemeClr>
+              </a:gs>
+              <a:gs pos="71000">
+                <a:schemeClr val="bg1"/>
+              </a:gs>
+            </a:gsLst>
+            <a:lin ang="5400000" scaled="1"/>
+          </a:gradFill>
+          <a:ln>
+            <a:noFill/>
+          </a:ln>
+        </p:spPr>
+        <p:style>
+          <a:lnRef idx="2">
+            <a:schemeClr val="accent1">
+              <a:shade val="50000"/>
+            </a:schemeClr>
+          </a:lnRef>
+          <a:fillRef idx="1">
+            <a:schemeClr val="accent1"/>
+          </a:fillRef>
+          <a:effectRef idx="0">
+            <a:schemeClr val="accent1"/>
+          </a:effectRef>
+          <a:fontRef idx="minor">
+            <a:schemeClr val="lt1"/>
+          </a:fontRef>
+        </p:style>
+        <p:txBody>
+          <a:bodyPr rtlCol="0" anchor="ctr"/>
+          <a:lstStyle/>
+          <a:p>
+            <a:pPr algn="ctr"/>
+            <a:endParaRPr lang="en-US"/>
+          </a:p>
+        </p:txBody>
+      </p:sp>
+      <p:sp>
+        <p:nvSpPr>
+          <p:cNvPr id="214" name="Rectangle 213"/>
+          <p:cNvSpPr/>
+          <p:nvPr/>
+        </p:nvSpPr>
+        <p:spPr>
+          <a:xfrm rot="5400000">
+            <a:off x="3745432" y="2649579"/>
+            <a:ext cx="4161227" cy="4347056"/>
+          </a:xfrm>
+          <a:prstGeom prst="rect">
+            <a:avLst/>
+          </a:prstGeom>
+          <a:solidFill>
+            <a:srgbClr val="00B050">
+              <a:alpha val="20000"/>
+            </a:srgbClr>
+          </a:solidFill>
+          <a:ln>
+            <a:noFill/>
+          </a:ln>
+        </p:spPr>
+        <p:style>
+          <a:lnRef idx="2">
+            <a:schemeClr val="accent1">
+              <a:shade val="50000"/>
+            </a:schemeClr>
+          </a:lnRef>
+          <a:fillRef idx="1">
+            <a:schemeClr val="accent1"/>
+          </a:fillRef>
+          <a:effectRef idx="0">
+            <a:schemeClr val="accent1"/>
+          </a:effectRef>
+          <a:fontRef idx="minor">
+            <a:schemeClr val="lt1"/>
+          </a:fontRef>
+        </p:style>
+        <p:txBody>
+          <a:bodyPr rtlCol="0" anchor="ctr"/>
+          <a:lstStyle/>
+          <a:p>
+            <a:pPr algn="ctr"/>
+            <a:endParaRPr lang="en-US"/>
+          </a:p>
+        </p:txBody>
+      </p:sp>
+      <p:sp>
+        <p:nvSpPr>
+          <p:cNvPr id="215" name="Rectangle 214"/>
+          <p:cNvSpPr/>
+          <p:nvPr/>
+        </p:nvSpPr>
+        <p:spPr>
+          <a:xfrm rot="10800000">
+            <a:off x="3641090" y="2743200"/>
+            <a:ext cx="4370070" cy="4114800"/>
+          </a:xfrm>
+          <a:prstGeom prst="rect">
+            <a:avLst/>
+          </a:prstGeom>
+          <a:gradFill>
+            <a:gsLst>
+              <a:gs pos="0">
+                <a:schemeClr val="bg1">
+                  <a:alpha val="0"/>
+                </a:schemeClr>
+              </a:gs>
+              <a:gs pos="71000">
+                <a:schemeClr val="bg1"/>
+              </a:gs>
+            </a:gsLst>
+            <a:lin ang="5400000" scaled="1"/>
+          </a:gradFill>
+          <a:ln>
+            <a:noFill/>
+          </a:ln>
+        </p:spPr>
+        <p:style>
+          <a:lnRef idx="2">
+            <a:schemeClr val="accent1">
+              <a:shade val="50000"/>
+            </a:schemeClr>
+          </a:lnRef>
+          <a:fillRef idx="1">
+            <a:schemeClr val="accent1"/>
+          </a:fillRef>
+          <a:effectRef idx="0">
+            <a:schemeClr val="accent1"/>
+          </a:effectRef>
+          <a:fontRef idx="minor">
+            <a:schemeClr val="lt1"/>
+          </a:fontRef>
+        </p:style>
+        <p:txBody>
+          <a:bodyPr rtlCol="0" anchor="ctr"/>
+          <a:lstStyle/>
+          <a:p>
+            <a:pPr algn="ctr"/>
+            <a:endParaRPr lang="en-US"/>
+          </a:p>
+        </p:txBody>
+      </p:sp>
+      <p:sp>
+        <p:nvSpPr>
+          <p:cNvPr id="212" name="Rectangle 211"/>
+          <p:cNvSpPr/>
+          <p:nvPr/>
+        </p:nvSpPr>
+        <p:spPr>
+          <a:xfrm rot="5400000">
+            <a:off x="-320677" y="3164769"/>
+            <a:ext cx="4161227" cy="3225235"/>
+          </a:xfrm>
+          <a:prstGeom prst="rect">
+            <a:avLst/>
+          </a:prstGeom>
+          <a:solidFill>
+            <a:schemeClr val="accent1">
+              <a:alpha val="20000"/>
+            </a:schemeClr>
+          </a:solidFill>
+          <a:ln>
+            <a:noFill/>
+          </a:ln>
+        </p:spPr>
+        <p:style>
+          <a:lnRef idx="2">
+            <a:schemeClr val="accent1">
+              <a:shade val="50000"/>
+            </a:schemeClr>
+          </a:lnRef>
+          <a:fillRef idx="1">
+            <a:schemeClr val="accent1"/>
+          </a:fillRef>
+          <a:effectRef idx="0">
+            <a:schemeClr val="accent1"/>
+          </a:effectRef>
+          <a:fontRef idx="minor">
+            <a:schemeClr val="lt1"/>
+          </a:fontRef>
+        </p:style>
+        <p:txBody>
+          <a:bodyPr rtlCol="0" anchor="ctr"/>
+          <a:lstStyle/>
+          <a:p>
+            <a:pPr algn="ctr"/>
+            <a:endParaRPr lang="en-US"/>
+          </a:p>
+        </p:txBody>
+      </p:sp>
+      <p:sp>
+        <p:nvSpPr>
+          <p:cNvPr id="213" name="Rectangle 212"/>
+          <p:cNvSpPr/>
+          <p:nvPr/>
+        </p:nvSpPr>
+        <p:spPr>
+          <a:xfrm rot="10800000">
+            <a:off x="135890" y="2697480"/>
+            <a:ext cx="3242310" cy="4114800"/>
+          </a:xfrm>
+          <a:prstGeom prst="rect">
+            <a:avLst/>
+          </a:prstGeom>
+          <a:gradFill>
+            <a:gsLst>
+              <a:gs pos="0">
+                <a:schemeClr val="bg1">
+                  <a:alpha val="0"/>
+                </a:schemeClr>
+              </a:gs>
+              <a:gs pos="71000">
+                <a:schemeClr val="bg1"/>
+              </a:gs>
+            </a:gsLst>
+            <a:lin ang="5400000" scaled="1"/>
+          </a:gradFill>
+          <a:ln>
+            <a:noFill/>
+          </a:ln>
+        </p:spPr>
+        <p:style>
+          <a:lnRef idx="2">
+            <a:schemeClr val="accent1">
+              <a:shade val="50000"/>
+            </a:schemeClr>
+          </a:lnRef>
+          <a:fillRef idx="1">
+            <a:schemeClr val="accent1"/>
+          </a:fillRef>
+          <a:effectRef idx="0">
+            <a:schemeClr val="accent1"/>
+          </a:effectRef>
+          <a:fontRef idx="minor">
+            <a:schemeClr val="lt1"/>
+          </a:fontRef>
+        </p:style>
+        <p:txBody>
+          <a:bodyPr rtlCol="0" anchor="ctr"/>
+          <a:lstStyle/>
+          <a:p>
+            <a:pPr algn="ctr"/>
+            <a:endParaRPr lang="en-US"/>
+          </a:p>
+        </p:txBody>
+      </p:sp>
+      <p:sp>
+        <p:nvSpPr>
+          <p:cNvPr id="3" name="Rectangle 2"/>
+          <p:cNvSpPr/>
+          <p:nvPr/>
+        </p:nvSpPr>
+        <p:spPr>
+          <a:xfrm>
+            <a:off x="100237" y="140608"/>
+            <a:ext cx="1891246" cy="637309"/>
+          </a:xfrm>
+          <a:prstGeom prst="rect">
+            <a:avLst/>
+          </a:prstGeom>
+          <a:solidFill>
+            <a:schemeClr val="bg1">
+              <a:lumMod val="85000"/>
+            </a:schemeClr>
+          </a:solidFill>
+          <a:ln>
+            <a:noFill/>
+          </a:ln>
+        </p:spPr>
+        <p:style>
+          <a:lnRef idx="2">
+            <a:schemeClr val="accent1">
+              <a:shade val="50000"/>
+            </a:schemeClr>
+          </a:lnRef>
+          <a:fillRef idx="1">
+            <a:schemeClr val="accent1"/>
+          </a:fillRef>
+          <a:effectRef idx="0">
+            <a:schemeClr val="accent1"/>
+          </a:effectRef>
+          <a:fontRef idx="minor">
+            <a:schemeClr val="lt1"/>
+          </a:fontRef>
+        </p:style>
+        <p:txBody>
+          <a:bodyPr rtlCol="0" anchor="ctr"/>
+          <a:lstStyle/>
+          <a:p>
+            <a:pPr algn="ctr"/>
+            <a:endParaRPr lang="en-US"/>
+          </a:p>
+        </p:txBody>
+      </p:sp>
+      <p:sp>
+        <p:nvSpPr>
+          <p:cNvPr id="143" name="Rectangle 142"/>
+          <p:cNvSpPr/>
+          <p:nvPr/>
+        </p:nvSpPr>
+        <p:spPr>
+          <a:xfrm>
+            <a:off x="131039" y="133696"/>
+            <a:ext cx="1781257" cy="584775"/>
+          </a:xfrm>
+          <a:prstGeom prst="rect">
+            <a:avLst/>
+          </a:prstGeom>
+        </p:spPr>
+        <p:txBody>
+          <a:bodyPr wrap="none">
+            <a:spAutoFit/>
+          </a:bodyPr>
+          <a:lstStyle/>
+          <a:p>
+            <a:r>
+              <a:rPr lang="en-US" sz="3200" b="1" dirty="0"/>
+              <a:t>GCaMP6f</a:t>
+            </a:r>
+            <a:endParaRPr lang="en-US" sz="900" b="1" i="1" dirty="0"/>
+          </a:p>
+        </p:txBody>
+      </p:sp>
+      <p:sp>
+        <p:nvSpPr>
+          <p:cNvPr id="2" name="Rectangle 1"/>
+          <p:cNvSpPr/>
+          <p:nvPr/>
+        </p:nvSpPr>
+        <p:spPr>
+          <a:xfrm>
+            <a:off x="94581" y="523992"/>
+            <a:ext cx="1766830" cy="230832"/>
+          </a:xfrm>
+          <a:prstGeom prst="rect">
+            <a:avLst/>
+          </a:prstGeom>
+        </p:spPr>
+        <p:txBody>
+          <a:bodyPr wrap="none">
+            <a:spAutoFit/>
+          </a:bodyPr>
+          <a:lstStyle/>
+          <a:p>
+            <a:r>
+              <a:rPr lang="en-US" sz="900" i="1" dirty="0"/>
+              <a:t>2D Acquisition/Analysis Workflow</a:t>
+            </a:r>
+            <a:endParaRPr lang="en-US" sz="1100" dirty="0"/>
+          </a:p>
+        </p:txBody>
+      </p:sp>
+      <p:sp>
+        <p:nvSpPr>
+          <p:cNvPr id="176" name="Flowchart: Data 175"/>
+          <p:cNvSpPr/>
+          <p:nvPr/>
+        </p:nvSpPr>
+        <p:spPr>
+          <a:xfrm rot="5400000" flipV="1">
+            <a:off x="434119" y="1679161"/>
+            <a:ext cx="1955800" cy="1239078"/>
+          </a:xfrm>
+          <a:prstGeom prst="flowChartInputOutput">
+            <a:avLst/>
+          </a:prstGeom>
+          <a:solidFill>
+            <a:schemeClr val="tx1">
+              <a:alpha val="20000"/>
+            </a:schemeClr>
+          </a:solidFill>
+          <a:ln>
+            <a:solidFill>
+              <a:schemeClr val="tx1"/>
+            </a:solidFill>
+          </a:ln>
+        </p:spPr>
+        <p:style>
+          <a:lnRef idx="2">
+            <a:schemeClr val="accent1">
+              <a:shade val="50000"/>
+            </a:schemeClr>
+          </a:lnRef>
+          <a:fillRef idx="1">
+            <a:schemeClr val="accent1"/>
+          </a:fillRef>
+          <a:effectRef idx="0">
+            <a:schemeClr val="accent1"/>
+          </a:effectRef>
+          <a:fontRef idx="minor">
+            <a:schemeClr val="lt1"/>
+          </a:fontRef>
+        </p:style>
+        <p:txBody>
+          <a:bodyPr rtlCol="0" anchor="ctr"/>
+          <a:lstStyle/>
+          <a:p>
+            <a:pPr algn="ctr"/>
+            <a:endParaRPr lang="en-US"/>
+          </a:p>
+        </p:txBody>
+      </p:sp>
+      <p:sp>
+        <p:nvSpPr>
+          <p:cNvPr id="178" name="Flowchart: Data 177"/>
+          <p:cNvSpPr/>
+          <p:nvPr/>
+        </p:nvSpPr>
+        <p:spPr>
+          <a:xfrm rot="5400000" flipV="1">
+            <a:off x="738919" y="1679161"/>
+            <a:ext cx="1955800" cy="1239078"/>
+          </a:xfrm>
+          <a:prstGeom prst="flowChartInputOutput">
+            <a:avLst/>
+          </a:prstGeom>
+          <a:solidFill>
+            <a:schemeClr val="tx1">
+              <a:alpha val="20000"/>
+            </a:schemeClr>
+          </a:solidFill>
+          <a:ln>
+            <a:solidFill>
+              <a:schemeClr val="tx1"/>
+            </a:solidFill>
+          </a:ln>
+        </p:spPr>
+        <p:style>
+          <a:lnRef idx="2">
+            <a:schemeClr val="accent1">
+              <a:shade val="50000"/>
+            </a:schemeClr>
+          </a:lnRef>
+          <a:fillRef idx="1">
+            <a:schemeClr val="accent1"/>
+          </a:fillRef>
+          <a:effectRef idx="0">
+            <a:schemeClr val="accent1"/>
+          </a:effectRef>
+          <a:fontRef idx="minor">
+            <a:schemeClr val="lt1"/>
+          </a:fontRef>
+        </p:style>
+        <p:txBody>
+          <a:bodyPr rtlCol="0" anchor="ctr"/>
+          <a:lstStyle/>
+          <a:p>
+            <a:pPr algn="ctr"/>
+            <a:endParaRPr lang="en-US"/>
+          </a:p>
+        </p:txBody>
+      </p:sp>
+      <p:sp>
+        <p:nvSpPr>
+          <p:cNvPr id="180" name="Flowchart: Data 179"/>
+          <p:cNvSpPr/>
+          <p:nvPr/>
+        </p:nvSpPr>
+        <p:spPr>
+          <a:xfrm rot="5400000" flipV="1">
+            <a:off x="1043719" y="1679161"/>
+            <a:ext cx="1955800" cy="1239078"/>
+          </a:xfrm>
+          <a:prstGeom prst="flowChartInputOutput">
+            <a:avLst/>
+          </a:prstGeom>
+          <a:solidFill>
+            <a:schemeClr val="tx1">
+              <a:alpha val="20000"/>
+            </a:schemeClr>
+          </a:solidFill>
+          <a:ln>
+            <a:solidFill>
+              <a:schemeClr val="tx1"/>
+            </a:solidFill>
+          </a:ln>
+        </p:spPr>
+        <p:style>
+          <a:lnRef idx="2">
+            <a:schemeClr val="accent1">
+              <a:shade val="50000"/>
+            </a:schemeClr>
+          </a:lnRef>
+          <a:fillRef idx="1">
+            <a:schemeClr val="accent1"/>
+          </a:fillRef>
+          <a:effectRef idx="0">
+            <a:schemeClr val="accent1"/>
+          </a:effectRef>
+          <a:fontRef idx="minor">
+            <a:schemeClr val="lt1"/>
+          </a:fontRef>
+        </p:style>
+        <p:txBody>
+          <a:bodyPr rtlCol="0" anchor="ctr"/>
+          <a:lstStyle/>
+          <a:p>
+            <a:pPr algn="ctr"/>
+            <a:endParaRPr lang="en-US"/>
+          </a:p>
+        </p:txBody>
+      </p:sp>
+      <p:sp>
+        <p:nvSpPr>
+          <p:cNvPr id="4" name="Rectangle 3"/>
+          <p:cNvSpPr/>
+          <p:nvPr/>
+        </p:nvSpPr>
+        <p:spPr>
+          <a:xfrm>
+            <a:off x="307071" y="3472934"/>
+            <a:ext cx="3045729" cy="3293209"/>
+          </a:xfrm>
+          <a:prstGeom prst="rect">
+            <a:avLst/>
+          </a:prstGeom>
+        </p:spPr>
+        <p:txBody>
+          <a:bodyPr wrap="square">
+            <a:spAutoFit/>
+          </a:bodyPr>
+          <a:lstStyle/>
+          <a:p>
+            <a:r>
+              <a:rPr lang="en-US" b="1" u="sng" dirty="0"/>
+              <a:t>Time Series Acquisition</a:t>
+            </a:r>
+          </a:p>
+          <a:p>
+            <a:r>
+              <a:rPr lang="en-US" sz="1000" dirty="0"/>
+              <a:t>The camera is configured to turn on the light source, take a high resolution image image, save it as a TIF (with the timestamp as its filename), turn off the light source, and wait 10 seconds before repeating.</a:t>
+            </a:r>
+          </a:p>
+          <a:p>
+            <a:endParaRPr lang="en-US" sz="1000" dirty="0"/>
+          </a:p>
+          <a:p>
+            <a:r>
+              <a:rPr lang="en-US" sz="1000" dirty="0"/>
+              <a:t>Typically a 10m baseline period is used, 3m of 200µM TGOT, then 10m of washout. While increasing the frame rate would increase the number of data points, it also increases accumulated light exposure (photobleaching) and data storage requirements.</a:t>
+            </a:r>
+          </a:p>
+          <a:p>
+            <a:endParaRPr lang="en-US" sz="1000" dirty="0"/>
+          </a:p>
+          <a:p>
+            <a:r>
+              <a:rPr lang="en-US" sz="1000" dirty="0"/>
+              <a:t>Information about the experiment (baseline, drug times, etc.) is stored in </a:t>
+            </a:r>
+            <a:r>
+              <a:rPr lang="en-US" sz="1000" dirty="0">
+                <a:latin typeface="Courier New" panose="02070309020205020404" pitchFamily="49" charset="0"/>
+                <a:cs typeface="Courier New" panose="02070309020205020404" pitchFamily="49" charset="0"/>
+              </a:rPr>
+              <a:t>experiment.txt</a:t>
+            </a:r>
+          </a:p>
+          <a:p>
+            <a:endParaRPr lang="en-US" sz="1000" dirty="0"/>
+          </a:p>
+          <a:p>
+            <a:r>
+              <a:rPr lang="en-US" sz="1000" i="1" dirty="0">
+                <a:solidFill>
+                  <a:schemeClr val="bg1">
+                    <a:lumMod val="50000"/>
+                  </a:schemeClr>
+                </a:solidFill>
+              </a:rPr>
+              <a:t>Early experiments analyzed ~1hr of data consisting of high resolution TIFs acquired every 500ms. This is approximately 8GB of data. These frames make excellent video, but have far more data points than are required to draw an experimental conclusion.</a:t>
+            </a:r>
+          </a:p>
+        </p:txBody>
+      </p:sp>
+      <p:sp>
+        <p:nvSpPr>
+          <p:cNvPr id="185" name="Arrow: Right 184"/>
+          <p:cNvSpPr/>
+          <p:nvPr/>
+        </p:nvSpPr>
+        <p:spPr>
+          <a:xfrm>
+            <a:off x="3129280" y="1879600"/>
+            <a:ext cx="609600" cy="720090"/>
+          </a:xfrm>
+          <a:prstGeom prst="rightArrow">
+            <a:avLst/>
+          </a:prstGeom>
+          <a:solidFill>
+            <a:schemeClr val="bg1">
+              <a:lumMod val="85000"/>
+            </a:schemeClr>
+          </a:solidFill>
+          <a:ln>
+            <a:noFill/>
+          </a:ln>
+        </p:spPr>
+        <p:style>
+          <a:lnRef idx="2">
+            <a:schemeClr val="accent1">
+              <a:shade val="50000"/>
+            </a:schemeClr>
+          </a:lnRef>
+          <a:fillRef idx="1">
+            <a:schemeClr val="accent1"/>
+          </a:fillRef>
+          <a:effectRef idx="0">
+            <a:schemeClr val="accent1"/>
+          </a:effectRef>
+          <a:fontRef idx="minor">
+            <a:schemeClr val="lt1"/>
+          </a:fontRef>
+        </p:style>
+        <p:txBody>
+          <a:bodyPr rtlCol="0" anchor="ctr"/>
+          <a:lstStyle/>
+          <a:p>
+            <a:pPr algn="ctr"/>
+            <a:endParaRPr lang="en-US"/>
+          </a:p>
+        </p:txBody>
+      </p:sp>
+      <p:sp>
+        <p:nvSpPr>
+          <p:cNvPr id="186" name="Rectangle 185"/>
+          <p:cNvSpPr/>
+          <p:nvPr/>
+        </p:nvSpPr>
+        <p:spPr>
+          <a:xfrm rot="5400000">
+            <a:off x="3025140" y="2108200"/>
+            <a:ext cx="419100" cy="307340"/>
+          </a:xfrm>
+          <a:prstGeom prst="rect">
+            <a:avLst/>
+          </a:prstGeom>
+          <a:gradFill>
+            <a:gsLst>
+              <a:gs pos="0">
+                <a:schemeClr val="bg1">
+                  <a:alpha val="0"/>
+                </a:schemeClr>
+              </a:gs>
+              <a:gs pos="71000">
+                <a:schemeClr val="bg1"/>
+              </a:gs>
+            </a:gsLst>
+            <a:lin ang="5400000" scaled="1"/>
+          </a:gradFill>
+          <a:ln>
+            <a:noFill/>
+          </a:ln>
+        </p:spPr>
+        <p:style>
+          <a:lnRef idx="2">
+            <a:schemeClr val="accent1">
+              <a:shade val="50000"/>
+            </a:schemeClr>
+          </a:lnRef>
+          <a:fillRef idx="1">
+            <a:schemeClr val="accent1"/>
+          </a:fillRef>
+          <a:effectRef idx="0">
+            <a:schemeClr val="accent1"/>
+          </a:effectRef>
+          <a:fontRef idx="minor">
+            <a:schemeClr val="lt1"/>
+          </a:fontRef>
+        </p:style>
+        <p:txBody>
+          <a:bodyPr rtlCol="0" anchor="ctr"/>
+          <a:lstStyle/>
+          <a:p>
+            <a:pPr algn="ctr"/>
+            <a:endParaRPr lang="en-US"/>
+          </a:p>
+        </p:txBody>
+      </p:sp>
+      <p:sp>
+        <p:nvSpPr>
+          <p:cNvPr id="190" name="Rectangle 189"/>
+          <p:cNvSpPr/>
+          <p:nvPr/>
+        </p:nvSpPr>
+        <p:spPr>
+          <a:xfrm>
+            <a:off x="3766551" y="4026654"/>
+            <a:ext cx="4305569" cy="2523768"/>
+          </a:xfrm>
+          <a:prstGeom prst="rect">
+            <a:avLst/>
+          </a:prstGeom>
+        </p:spPr>
+        <p:txBody>
+          <a:bodyPr wrap="square">
+            <a:spAutoFit/>
+          </a:bodyPr>
+          <a:lstStyle/>
+          <a:p>
+            <a:r>
+              <a:rPr lang="en-US" b="1" u="sng" dirty="0"/>
+              <a:t>Manual Selection of ROIs</a:t>
+            </a:r>
+          </a:p>
+          <a:p>
+            <a:r>
+              <a:rPr lang="en-US" sz="1000" dirty="0"/>
+              <a:t>Although dozens of fluorescent cells are visible, not all visible cells respond to the drug of interest. </a:t>
+            </a:r>
+          </a:p>
+          <a:p>
+            <a:endParaRPr lang="en-US" sz="1000" dirty="0"/>
+          </a:p>
+          <a:p>
+            <a:r>
+              <a:rPr lang="en-US" sz="1000" b="1" dirty="0"/>
+              <a:t>ROIs are outlined by hand with FIJI/ImageJ.</a:t>
+            </a:r>
+          </a:p>
+          <a:p>
+            <a:pPr marL="228600" indent="-228600">
+              <a:buFont typeface="Arial" panose="020B0604020202020204" pitchFamily="34" charset="0"/>
+              <a:buChar char="•"/>
+            </a:pPr>
+            <a:r>
+              <a:rPr lang="en-US" sz="1000" dirty="0"/>
+              <a:t>The first ROI is of a region of tissue which contains no cells. It is used as a baseline to subtract-out photobleaching in subsequent ROIs.</a:t>
+            </a:r>
+          </a:p>
+          <a:p>
+            <a:pPr marL="228600" indent="-228600">
+              <a:buFont typeface="Arial" panose="020B0604020202020204" pitchFamily="34" charset="0"/>
+              <a:buChar char="•"/>
+            </a:pPr>
+            <a:r>
+              <a:rPr lang="en-US" sz="1000" dirty="0"/>
+              <a:t>The ROI file is always saved as </a:t>
+            </a:r>
+            <a:r>
+              <a:rPr lang="en-US" sz="1000" dirty="0">
+                <a:latin typeface="Courier New" panose="02070309020205020404" pitchFamily="49" charset="0"/>
+                <a:cs typeface="Courier New" panose="02070309020205020404" pitchFamily="49" charset="0"/>
+              </a:rPr>
+              <a:t>RoiSet.zip</a:t>
+            </a:r>
+          </a:p>
+          <a:p>
+            <a:pPr marL="228600" indent="-228600">
+              <a:buFont typeface="Arial" panose="020B0604020202020204" pitchFamily="34" charset="0"/>
+              <a:buChar char="•"/>
+            </a:pPr>
+            <a:r>
+              <a:rPr lang="en-US" sz="1000" dirty="0"/>
+              <a:t>The </a:t>
+            </a:r>
+            <a:r>
+              <a:rPr lang="en-US" sz="1000" i="1" dirty="0"/>
+              <a:t>multi-measure</a:t>
+            </a:r>
+            <a:r>
+              <a:rPr lang="en-US" sz="1000" dirty="0"/>
+              <a:t> command is used to analyze every ROI of every frame (reported as average pixel intensity) an saved as </a:t>
+            </a:r>
+            <a:r>
+              <a:rPr lang="en-US" sz="1000" dirty="0">
+                <a:latin typeface="Courier New" panose="02070309020205020404" pitchFamily="49" charset="0"/>
+                <a:cs typeface="Courier New" panose="02070309020205020404" pitchFamily="49" charset="0"/>
+              </a:rPr>
+              <a:t>Results.xls</a:t>
+            </a:r>
+          </a:p>
+          <a:p>
+            <a:endParaRPr lang="en-US" sz="1000" i="1" dirty="0"/>
+          </a:p>
+          <a:p>
+            <a:r>
+              <a:rPr lang="en-US" sz="1000" i="1" dirty="0">
+                <a:solidFill>
+                  <a:schemeClr val="bg1">
+                    <a:lumMod val="50000"/>
+                  </a:schemeClr>
+                </a:solidFill>
+              </a:rPr>
+              <a:t>Not every fluorescent cell is a healthy cell. Dead and dying cells become fluorescent due to a loss of calcium regulation capability. Typically the best responding cells are dark initially and become fluorescent upon activation. Healthy quiescent cells will exhibit low fluorescence. </a:t>
+            </a:r>
+          </a:p>
+        </p:txBody>
+      </p:sp>
+      <p:grpSp>
+        <p:nvGrpSpPr>
+          <p:cNvPr id="5" name="Group 4"/>
+          <p:cNvGrpSpPr/>
+          <p:nvPr/>
+        </p:nvGrpSpPr>
+        <p:grpSpPr>
+          <a:xfrm>
+            <a:off x="7861300" y="1996440"/>
+            <a:ext cx="657860" cy="720090"/>
+            <a:chOff x="6530340" y="1894840"/>
+            <a:chExt cx="657860" cy="720090"/>
+          </a:xfrm>
+        </p:grpSpPr>
+        <p:sp>
+          <p:nvSpPr>
+            <p:cNvPr id="191" name="Arrow: Right 190"/>
+            <p:cNvSpPr/>
+            <p:nvPr/>
+          </p:nvSpPr>
+          <p:spPr>
+            <a:xfrm>
+              <a:off x="6578600" y="1894840"/>
+              <a:ext cx="609600" cy="720090"/>
+            </a:xfrm>
+            <a:prstGeom prst="rightArrow">
+              <a:avLst/>
+            </a:prstGeom>
+            <a:solidFill>
+              <a:schemeClr val="bg1">
+                <a:lumMod val="85000"/>
+              </a:schemeClr>
+            </a:solidFill>
+            <a:ln>
+              <a:noFill/>
+            </a:ln>
+          </p:spPr>
+          <p:style>
+            <a:lnRef idx="2">
+              <a:schemeClr val="accent1">
+                <a:shade val="50000"/>
+              </a:schemeClr>
+            </a:lnRef>
+            <a:fillRef idx="1">
+              <a:schemeClr val="accent1"/>
+            </a:fillRef>
+            <a:effectRef idx="0">
+              <a:schemeClr val="accent1"/>
+            </a:effectRef>
+            <a:fontRef idx="minor">
+              <a:schemeClr val="lt1"/>
+            </a:fontRef>
+          </p:style>
+          <p:txBody>
+            <a:bodyPr rtlCol="0" anchor="ctr"/>
+            <a:lstStyle/>
+            <a:p>
+              <a:pPr algn="ctr"/>
+              <a:endParaRPr lang="en-US"/>
+            </a:p>
+          </p:txBody>
+        </p:sp>
+        <p:sp>
+          <p:nvSpPr>
+            <p:cNvPr id="192" name="Rectangle 191"/>
+            <p:cNvSpPr/>
+            <p:nvPr/>
+          </p:nvSpPr>
+          <p:spPr>
+            <a:xfrm rot="5400000">
+              <a:off x="6474460" y="2123440"/>
+              <a:ext cx="419100" cy="307340"/>
+            </a:xfrm>
+            <a:prstGeom prst="rect">
+              <a:avLst/>
+            </a:prstGeom>
+            <a:gradFill>
+              <a:gsLst>
+                <a:gs pos="0">
+                  <a:schemeClr val="bg1">
+                    <a:alpha val="0"/>
+                  </a:schemeClr>
+                </a:gs>
+                <a:gs pos="71000">
+                  <a:schemeClr val="bg1"/>
+                </a:gs>
+              </a:gsLst>
+              <a:lin ang="5400000" scaled="1"/>
+            </a:gradFill>
+            <a:ln>
+              <a:noFill/>
+            </a:ln>
+          </p:spPr>
+          <p:style>
+            <a:lnRef idx="2">
+              <a:schemeClr val="accent1">
+                <a:shade val="50000"/>
+              </a:schemeClr>
+            </a:lnRef>
+            <a:fillRef idx="1">
+              <a:schemeClr val="accent1"/>
+            </a:fillRef>
+            <a:effectRef idx="0">
+              <a:schemeClr val="accent1"/>
+            </a:effectRef>
+            <a:fontRef idx="minor">
+              <a:schemeClr val="lt1"/>
+            </a:fontRef>
+          </p:style>
+          <p:txBody>
+            <a:bodyPr rtlCol="0" anchor="ctr"/>
+            <a:lstStyle/>
+            <a:p>
+              <a:pPr algn="ctr"/>
+              <a:endParaRPr lang="en-US"/>
+            </a:p>
+          </p:txBody>
+        </p:sp>
+      </p:grpSp>
+      <p:grpSp>
+        <p:nvGrpSpPr>
+          <p:cNvPr id="8" name="Group 7"/>
+          <p:cNvGrpSpPr/>
+          <p:nvPr/>
+        </p:nvGrpSpPr>
+        <p:grpSpPr>
+          <a:xfrm>
+            <a:off x="3850640" y="1193800"/>
+            <a:ext cx="4017581" cy="2584450"/>
+            <a:chOff x="9138920" y="2971800"/>
+            <a:chExt cx="4017581" cy="2584450"/>
+          </a:xfrm>
+        </p:grpSpPr>
+        <p:sp>
+          <p:nvSpPr>
+            <p:cNvPr id="193" name="Flowchart: Data 192"/>
+            <p:cNvSpPr/>
+            <p:nvPr/>
+          </p:nvSpPr>
+          <p:spPr>
+            <a:xfrm rot="5400000" flipV="1">
+              <a:off x="8780559" y="3406361"/>
+              <a:ext cx="1955800" cy="1239078"/>
+            </a:xfrm>
+            <a:prstGeom prst="flowChartInputOutput">
+              <a:avLst/>
+            </a:prstGeom>
+            <a:solidFill>
+              <a:schemeClr val="tx1">
+                <a:alpha val="20000"/>
+              </a:schemeClr>
+            </a:solidFill>
+            <a:ln>
+              <a:solidFill>
+                <a:schemeClr val="tx1"/>
+              </a:solidFill>
+            </a:ln>
+          </p:spPr>
+          <p:style>
+            <a:lnRef idx="2">
+              <a:schemeClr val="accent1">
+                <a:shade val="50000"/>
+              </a:schemeClr>
+            </a:lnRef>
+            <a:fillRef idx="1">
+              <a:schemeClr val="accent1"/>
+            </a:fillRef>
+            <a:effectRef idx="0">
+              <a:schemeClr val="accent1"/>
+            </a:effectRef>
+            <a:fontRef idx="minor">
+              <a:schemeClr val="lt1"/>
+            </a:fontRef>
+          </p:style>
+          <p:txBody>
+            <a:bodyPr rtlCol="0" anchor="ctr"/>
+            <a:lstStyle/>
+            <a:p>
+              <a:pPr algn="ctr"/>
+              <a:endParaRPr lang="en-US"/>
+            </a:p>
+          </p:txBody>
+        </p:sp>
+        <p:sp>
+          <p:nvSpPr>
+            <p:cNvPr id="194" name="Flowchart: Data 193"/>
+            <p:cNvSpPr/>
+            <p:nvPr/>
+          </p:nvSpPr>
+          <p:spPr>
+            <a:xfrm rot="5400000" flipV="1">
+              <a:off x="9244380" y="4530140"/>
+              <a:ext cx="304700" cy="193040"/>
+            </a:xfrm>
+            <a:prstGeom prst="flowChartInputOutput">
+              <a:avLst/>
+            </a:prstGeom>
+            <a:solidFill>
+              <a:schemeClr val="accent1">
+                <a:alpha val="50000"/>
+              </a:schemeClr>
+            </a:solidFill>
+            <a:ln>
+              <a:noFill/>
+            </a:ln>
+          </p:spPr>
+          <p:style>
+            <a:lnRef idx="2">
+              <a:schemeClr val="accent1">
+                <a:shade val="50000"/>
+              </a:schemeClr>
+            </a:lnRef>
+            <a:fillRef idx="1">
+              <a:schemeClr val="accent1"/>
+            </a:fillRef>
+            <a:effectRef idx="0">
+              <a:schemeClr val="accent1"/>
+            </a:effectRef>
+            <a:fontRef idx="minor">
+              <a:schemeClr val="lt1"/>
+            </a:fontRef>
+          </p:style>
+          <p:txBody>
+            <a:bodyPr rtlCol="0" anchor="ctr"/>
+            <a:lstStyle/>
+            <a:p>
+              <a:pPr algn="ctr"/>
+              <a:endParaRPr lang="en-US"/>
+            </a:p>
+          </p:txBody>
+        </p:sp>
+        <p:grpSp>
+          <p:nvGrpSpPr>
+            <p:cNvPr id="195" name="Group 194"/>
+            <p:cNvGrpSpPr/>
+            <p:nvPr/>
+          </p:nvGrpSpPr>
+          <p:grpSpPr>
+            <a:xfrm>
+              <a:off x="9298940" y="4474210"/>
+              <a:ext cx="1213485" cy="1071245"/>
+              <a:chOff x="1216660" y="2157730"/>
+              <a:chExt cx="1213485" cy="1071245"/>
+            </a:xfrm>
+          </p:grpSpPr>
+          <p:cxnSp>
+            <p:nvCxnSpPr>
+              <p:cNvPr id="196" name="Straight Connector 195"/>
+              <p:cNvCxnSpPr>
+                <a:cxnSpLocks/>
+              </p:cNvCxnSpPr>
+              <p:nvPr/>
+            </p:nvCxnSpPr>
+            <p:spPr>
+              <a:xfrm>
+                <a:off x="1407160" y="2397760"/>
+                <a:ext cx="1015365" cy="670560"/>
+              </a:xfrm>
+              <a:prstGeom prst="line">
+                <a:avLst/>
+              </a:prstGeom>
+              <a:ln>
+                <a:solidFill>
+                  <a:schemeClr val="tx1">
+                    <a:alpha val="20000"/>
+                  </a:schemeClr>
+                </a:solidFill>
+                <a:prstDash val="sysDash"/>
+              </a:ln>
+            </p:spPr>
+            <p:style>
+              <a:lnRef idx="1">
+                <a:schemeClr val="accent1"/>
+              </a:lnRef>
+              <a:fillRef idx="0">
+                <a:schemeClr val="accent1"/>
+              </a:fillRef>
+              <a:effectRef idx="0">
+                <a:schemeClr val="accent1"/>
+              </a:effectRef>
+              <a:fontRef idx="minor">
+                <a:schemeClr val="tx1"/>
+              </a:fontRef>
+            </p:style>
+          </p:cxnSp>
+          <p:cxnSp>
+            <p:nvCxnSpPr>
+              <p:cNvPr id="197" name="Straight Connector 196"/>
+              <p:cNvCxnSpPr>
+                <a:cxnSpLocks/>
+              </p:cNvCxnSpPr>
+              <p:nvPr/>
+            </p:nvCxnSpPr>
+            <p:spPr>
+              <a:xfrm>
+                <a:off x="1407160" y="2157730"/>
+                <a:ext cx="1022985" cy="262890"/>
+              </a:xfrm>
+              <a:prstGeom prst="line">
+                <a:avLst/>
+              </a:prstGeom>
+              <a:ln>
+                <a:solidFill>
+                  <a:schemeClr val="tx1">
+                    <a:alpha val="20000"/>
+                  </a:schemeClr>
+                </a:solidFill>
+                <a:prstDash val="sysDash"/>
+              </a:ln>
+            </p:spPr>
+            <p:style>
+              <a:lnRef idx="1">
+                <a:schemeClr val="accent1"/>
+              </a:lnRef>
+              <a:fillRef idx="0">
+                <a:schemeClr val="accent1"/>
+              </a:fillRef>
+              <a:effectRef idx="0">
+                <a:schemeClr val="accent1"/>
+              </a:effectRef>
+              <a:fontRef idx="minor">
+                <a:schemeClr val="tx1"/>
+              </a:fontRef>
+            </p:style>
+          </p:cxnSp>
+          <p:cxnSp>
+            <p:nvCxnSpPr>
+              <p:cNvPr id="198" name="Straight Connector 197"/>
+              <p:cNvCxnSpPr>
+                <a:cxnSpLocks/>
+              </p:cNvCxnSpPr>
+              <p:nvPr/>
+            </p:nvCxnSpPr>
+            <p:spPr>
+              <a:xfrm>
+                <a:off x="1216660" y="2218690"/>
+                <a:ext cx="702945" cy="375285"/>
+              </a:xfrm>
+              <a:prstGeom prst="line">
+                <a:avLst/>
+              </a:prstGeom>
+              <a:ln>
+                <a:solidFill>
+                  <a:schemeClr val="tx1">
+                    <a:alpha val="20000"/>
+                  </a:schemeClr>
+                </a:solidFill>
+                <a:prstDash val="sysDash"/>
+              </a:ln>
+            </p:spPr>
+            <p:style>
+              <a:lnRef idx="1">
+                <a:schemeClr val="accent1"/>
+              </a:lnRef>
+              <a:fillRef idx="0">
+                <a:schemeClr val="accent1"/>
+              </a:fillRef>
+              <a:effectRef idx="0">
+                <a:schemeClr val="accent1"/>
+              </a:effectRef>
+              <a:fontRef idx="minor">
+                <a:schemeClr val="tx1"/>
+              </a:fontRef>
+            </p:style>
+          </p:cxnSp>
+          <p:cxnSp>
+            <p:nvCxnSpPr>
+              <p:cNvPr id="199" name="Straight Connector 198"/>
+              <p:cNvCxnSpPr>
+                <a:cxnSpLocks/>
+              </p:cNvCxnSpPr>
+              <p:nvPr/>
+            </p:nvCxnSpPr>
+            <p:spPr>
+              <a:xfrm>
+                <a:off x="1217930" y="2455545"/>
+                <a:ext cx="699135" cy="773430"/>
+              </a:xfrm>
+              <a:prstGeom prst="line">
+                <a:avLst/>
+              </a:prstGeom>
+              <a:ln>
+                <a:solidFill>
+                  <a:schemeClr val="tx1">
+                    <a:alpha val="20000"/>
+                  </a:schemeClr>
+                </a:solidFill>
+                <a:prstDash val="sysDash"/>
+              </a:ln>
+            </p:spPr>
+            <p:style>
+              <a:lnRef idx="1">
+                <a:schemeClr val="accent1"/>
+              </a:lnRef>
+              <a:fillRef idx="0">
+                <a:schemeClr val="accent1"/>
+              </a:fillRef>
+              <a:effectRef idx="0">
+                <a:schemeClr val="accent1"/>
+              </a:effectRef>
+              <a:fontRef idx="minor">
+                <a:schemeClr val="tx1"/>
+              </a:fontRef>
+            </p:style>
+          </p:cxnSp>
+        </p:grpSp>
+        <p:sp>
+          <p:nvSpPr>
+            <p:cNvPr id="200" name="Flowchart: Data 199"/>
+            <p:cNvSpPr/>
+            <p:nvPr/>
+          </p:nvSpPr>
+          <p:spPr>
+            <a:xfrm rot="5400000" flipV="1">
+              <a:off x="9846310" y="4888230"/>
+              <a:ext cx="817880" cy="518160"/>
+            </a:xfrm>
+            <a:prstGeom prst="flowChartInputOutput">
+              <a:avLst/>
+            </a:prstGeom>
+            <a:solidFill>
+              <a:schemeClr val="accent1">
+                <a:alpha val="50000"/>
+              </a:schemeClr>
+            </a:solidFill>
+          </p:spPr>
+          <p:style>
+            <a:lnRef idx="2">
+              <a:schemeClr val="accent1">
+                <a:shade val="50000"/>
+              </a:schemeClr>
+            </a:lnRef>
+            <a:fillRef idx="1">
+              <a:schemeClr val="accent1"/>
+            </a:fillRef>
+            <a:effectRef idx="0">
+              <a:schemeClr val="accent1"/>
+            </a:effectRef>
+            <a:fontRef idx="minor">
+              <a:schemeClr val="lt1"/>
+            </a:fontRef>
+          </p:style>
+          <p:txBody>
+            <a:bodyPr rtlCol="0" anchor="ctr"/>
+            <a:lstStyle/>
+            <a:p>
+              <a:pPr algn="ctr"/>
+              <a:endParaRPr lang="en-US"/>
+            </a:p>
+          </p:txBody>
+        </p:sp>
+        <p:sp>
+          <p:nvSpPr>
+            <p:cNvPr id="201" name="Rectangle 200"/>
+            <p:cNvSpPr/>
+            <p:nvPr/>
+          </p:nvSpPr>
+          <p:spPr>
+            <a:xfrm>
+              <a:off x="10821670" y="3562350"/>
+              <a:ext cx="2266967" cy="400110"/>
+            </a:xfrm>
+            <a:prstGeom prst="rect">
+              <a:avLst/>
+            </a:prstGeom>
+          </p:spPr>
+          <p:txBody>
+            <a:bodyPr wrap="none">
+              <a:spAutoFit/>
+            </a:bodyPr>
+            <a:lstStyle/>
+            <a:p>
+              <a:r>
+                <a:rPr lang="en-US" sz="1100" b="1" dirty="0"/>
+                <a:t>region of interest (ROI)</a:t>
+              </a:r>
+            </a:p>
+            <a:p>
+              <a:r>
+                <a:rPr lang="en-US" sz="900" i="1" dirty="0"/>
+                <a:t>ROIs are hand-drawn around cells of interest</a:t>
+              </a:r>
+            </a:p>
+          </p:txBody>
+        </p:sp>
+        <p:sp>
+          <p:nvSpPr>
+            <p:cNvPr id="202" name="Rectangle 201"/>
+            <p:cNvSpPr/>
+            <p:nvPr/>
+          </p:nvSpPr>
+          <p:spPr>
+            <a:xfrm>
+              <a:off x="10353040" y="2971800"/>
+              <a:ext cx="1705916" cy="400110"/>
+            </a:xfrm>
+            <a:prstGeom prst="rect">
+              <a:avLst/>
+            </a:prstGeom>
+          </p:spPr>
+          <p:txBody>
+            <a:bodyPr wrap="none">
+              <a:spAutoFit/>
+            </a:bodyPr>
+            <a:lstStyle/>
+            <a:p>
+              <a:r>
+                <a:rPr lang="en-US" sz="1100" b="1" dirty="0"/>
+                <a:t>Original Image</a:t>
+              </a:r>
+            </a:p>
+            <a:p>
+              <a:r>
+                <a:rPr lang="en-US" sz="900" i="1" dirty="0"/>
+                <a:t>A time-series stack of TIF images</a:t>
+              </a:r>
+            </a:p>
+          </p:txBody>
+        </p:sp>
+        <p:sp>
+          <p:nvSpPr>
+            <p:cNvPr id="203" name="Flowchart: Data 202"/>
+            <p:cNvSpPr/>
+            <p:nvPr/>
+          </p:nvSpPr>
+          <p:spPr>
+            <a:xfrm rot="5400000" flipV="1">
+              <a:off x="9373920" y="3623360"/>
+              <a:ext cx="304700" cy="193040"/>
+            </a:xfrm>
+            <a:prstGeom prst="flowChartInputOutput">
+              <a:avLst/>
+            </a:prstGeom>
+            <a:solidFill>
+              <a:schemeClr val="accent1">
+                <a:alpha val="50000"/>
+              </a:schemeClr>
+            </a:solidFill>
+            <a:ln>
+              <a:noFill/>
+            </a:ln>
+          </p:spPr>
+          <p:style>
+            <a:lnRef idx="2">
+              <a:schemeClr val="accent1">
+                <a:shade val="50000"/>
+              </a:schemeClr>
+            </a:lnRef>
+            <a:fillRef idx="1">
+              <a:schemeClr val="accent1"/>
+            </a:fillRef>
+            <a:effectRef idx="0">
+              <a:schemeClr val="accent1"/>
+            </a:effectRef>
+            <a:fontRef idx="minor">
+              <a:schemeClr val="lt1"/>
+            </a:fontRef>
+          </p:style>
+          <p:txBody>
+            <a:bodyPr rtlCol="0" anchor="ctr"/>
+            <a:lstStyle/>
+            <a:p>
+              <a:pPr algn="ctr"/>
+              <a:endParaRPr lang="en-US"/>
+            </a:p>
+          </p:txBody>
+        </p:sp>
+        <p:sp>
+          <p:nvSpPr>
+            <p:cNvPr id="204" name="Flowchart: Data 203"/>
+            <p:cNvSpPr/>
+            <p:nvPr/>
+          </p:nvSpPr>
+          <p:spPr>
+            <a:xfrm rot="5400000" flipV="1">
+              <a:off x="9945420" y="3669080"/>
+              <a:ext cx="304700" cy="193040"/>
+            </a:xfrm>
+            <a:prstGeom prst="flowChartInputOutput">
+              <a:avLst/>
+            </a:prstGeom>
+            <a:solidFill>
+              <a:schemeClr val="accent1">
+                <a:alpha val="50000"/>
+              </a:schemeClr>
+            </a:solidFill>
+            <a:ln>
+              <a:noFill/>
+            </a:ln>
+          </p:spPr>
+          <p:style>
+            <a:lnRef idx="2">
+              <a:schemeClr val="accent1">
+                <a:shade val="50000"/>
+              </a:schemeClr>
+            </a:lnRef>
+            <a:fillRef idx="1">
+              <a:schemeClr val="accent1"/>
+            </a:fillRef>
+            <a:effectRef idx="0">
+              <a:schemeClr val="accent1"/>
+            </a:effectRef>
+            <a:fontRef idx="minor">
+              <a:schemeClr val="lt1"/>
+            </a:fontRef>
+          </p:style>
+          <p:txBody>
+            <a:bodyPr rtlCol="0" anchor="ctr"/>
+            <a:lstStyle/>
+            <a:p>
+              <a:pPr algn="ctr"/>
+              <a:endParaRPr lang="en-US"/>
+            </a:p>
+          </p:txBody>
+        </p:sp>
+        <p:sp>
+          <p:nvSpPr>
+            <p:cNvPr id="205" name="Flowchart: Data 204"/>
+            <p:cNvSpPr/>
+            <p:nvPr/>
+          </p:nvSpPr>
+          <p:spPr>
+            <a:xfrm rot="5400000" flipV="1">
+              <a:off x="9541560" y="4023410"/>
+              <a:ext cx="304700" cy="193040"/>
+            </a:xfrm>
+            <a:prstGeom prst="flowChartInputOutput">
+              <a:avLst/>
+            </a:prstGeom>
+            <a:solidFill>
+              <a:schemeClr val="accent1">
+                <a:alpha val="50000"/>
+              </a:schemeClr>
+            </a:solidFill>
+            <a:ln>
+              <a:noFill/>
+            </a:ln>
+          </p:spPr>
+          <p:style>
+            <a:lnRef idx="2">
+              <a:schemeClr val="accent1">
+                <a:shade val="50000"/>
+              </a:schemeClr>
+            </a:lnRef>
+            <a:fillRef idx="1">
+              <a:schemeClr val="accent1"/>
+            </a:fillRef>
+            <a:effectRef idx="0">
+              <a:schemeClr val="accent1"/>
+            </a:effectRef>
+            <a:fontRef idx="minor">
+              <a:schemeClr val="lt1"/>
+            </a:fontRef>
+          </p:style>
+          <p:txBody>
+            <a:bodyPr rtlCol="0" anchor="ctr"/>
+            <a:lstStyle/>
+            <a:p>
+              <a:pPr algn="ctr"/>
+              <a:endParaRPr lang="en-US"/>
+            </a:p>
+          </p:txBody>
+        </p:sp>
+        <p:sp>
+          <p:nvSpPr>
+            <p:cNvPr id="206" name="Rectangle 205"/>
+            <p:cNvSpPr/>
+            <p:nvPr/>
+          </p:nvSpPr>
+          <p:spPr>
+            <a:xfrm>
+              <a:off x="10471150" y="4663440"/>
+              <a:ext cx="2685351" cy="815608"/>
+            </a:xfrm>
+            <a:prstGeom prst="rect">
+              <a:avLst/>
+            </a:prstGeom>
+          </p:spPr>
+          <p:txBody>
+            <a:bodyPr wrap="none">
+              <a:spAutoFit/>
+            </a:bodyPr>
+            <a:lstStyle/>
+            <a:p>
+              <a:r>
+                <a:rPr lang="en-US" sz="1100" b="1" dirty="0"/>
+                <a:t>ROI Value</a:t>
+              </a:r>
+            </a:p>
+            <a:p>
+              <a:r>
+                <a:rPr lang="en-US" sz="900" i="1" dirty="0"/>
+                <a:t>Each ROI is converted to a single number per frame</a:t>
+              </a:r>
+            </a:p>
+            <a:p>
+              <a:r>
+                <a:rPr lang="en-US" sz="900" i="1" dirty="0">
+                  <a:solidFill>
+                    <a:srgbClr val="FF0000"/>
+                  </a:solidFill>
+                </a:rPr>
+                <a:t>There could be multiple user-defined methods for this</a:t>
+              </a:r>
+              <a:br>
+                <a:rPr lang="en-US" sz="900" i="1" dirty="0">
+                  <a:solidFill>
+                    <a:srgbClr val="FF0000"/>
+                  </a:solidFill>
+                </a:rPr>
+              </a:br>
+              <a:r>
+                <a:rPr lang="en-US" sz="900" i="1" dirty="0"/>
+                <a:t>(i.e., maximum pixel intensity, average pixel intensity,</a:t>
+              </a:r>
+              <a:br>
+                <a:rPr lang="en-US" sz="900" i="1" dirty="0"/>
+              </a:br>
+              <a:r>
+                <a:rPr lang="en-US" sz="900" i="1" dirty="0"/>
+                <a:t>average intensity of brightest 10% of pixels, etc.)</a:t>
+              </a:r>
+            </a:p>
+          </p:txBody>
+        </p:sp>
+        <p:sp>
+          <p:nvSpPr>
+            <p:cNvPr id="207" name="Freeform: Shape 206"/>
+            <p:cNvSpPr/>
+            <p:nvPr/>
+          </p:nvSpPr>
+          <p:spPr>
+            <a:xfrm rot="5400000" flipH="1">
+              <a:off x="10395188" y="3391138"/>
+              <a:ext cx="217826" cy="741817"/>
+            </a:xfrm>
+            <a:custGeom>
+              <a:avLst/>
+              <a:gdLst>
+                <a:gd name="connsiteX0" fmla="*/ 341255 w 493707"/>
+                <a:gd name="connsiteY0" fmla="*/ 0 h 1390650"/>
+                <a:gd name="connsiteX1" fmla="*/ 2165 w 493707"/>
+                <a:gd name="connsiteY1" fmla="*/ 579120 h 1390650"/>
+                <a:gd name="connsiteX2" fmla="*/ 486035 w 493707"/>
+                <a:gd name="connsiteY2" fmla="*/ 754380 h 1390650"/>
+                <a:gd name="connsiteX3" fmla="*/ 253625 w 493707"/>
+                <a:gd name="connsiteY3" fmla="*/ 1390650 h 1390650"/>
+              </a:gdLst>
+              <a:ahLst/>
+              <a:cxnLst>
+                <a:cxn ang="0">
+                  <a:pos x="connsiteX0" y="connsiteY0"/>
+                </a:cxn>
+                <a:cxn ang="0">
+                  <a:pos x="connsiteX1" y="connsiteY1"/>
+                </a:cxn>
+                <a:cxn ang="0">
+                  <a:pos x="connsiteX2" y="connsiteY2"/>
+                </a:cxn>
+                <a:cxn ang="0">
+                  <a:pos x="connsiteX3" y="connsiteY3"/>
+                </a:cxn>
+              </a:cxnLst>
+              <a:rect l="l" t="t" r="r" b="b"/>
+              <a:pathLst>
+                <a:path w="493707" h="1390650">
+                  <a:moveTo>
+                    <a:pt x="341255" y="0"/>
+                  </a:moveTo>
+                  <a:cubicBezTo>
+                    <a:pt x="159645" y="226695"/>
+                    <a:pt x="-21965" y="453390"/>
+                    <a:pt x="2165" y="579120"/>
+                  </a:cubicBezTo>
+                  <a:cubicBezTo>
+                    <a:pt x="26295" y="704850"/>
+                    <a:pt x="444125" y="619125"/>
+                    <a:pt x="486035" y="754380"/>
+                  </a:cubicBezTo>
+                  <a:cubicBezTo>
+                    <a:pt x="527945" y="889635"/>
+                    <a:pt x="390785" y="1140142"/>
+                    <a:pt x="253625" y="1390650"/>
+                  </a:cubicBezTo>
+                </a:path>
+              </a:pathLst>
+            </a:custGeom>
+            <a:noFill/>
+            <a:ln>
+              <a:solidFill>
+                <a:schemeClr val="tx1"/>
+              </a:solidFill>
+              <a:tailEnd type="triangle"/>
+            </a:ln>
+          </p:spPr>
+          <p:style>
+            <a:lnRef idx="2">
+              <a:schemeClr val="accent1">
+                <a:shade val="50000"/>
+              </a:schemeClr>
+            </a:lnRef>
+            <a:fillRef idx="1">
+              <a:schemeClr val="accent1"/>
+            </a:fillRef>
+            <a:effectRef idx="0">
+              <a:schemeClr val="accent1"/>
+            </a:effectRef>
+            <a:fontRef idx="minor">
+              <a:schemeClr val="lt1"/>
+            </a:fontRef>
+          </p:style>
+          <p:txBody>
+            <a:bodyPr rtlCol="0" anchor="ctr"/>
+            <a:lstStyle/>
+            <a:p>
+              <a:pPr algn="ctr"/>
+              <a:endParaRPr lang="en-US"/>
+            </a:p>
+          </p:txBody>
+        </p:sp>
+      </p:grpSp>
+      <p:pic>
+        <p:nvPicPr>
+          <p:cNvPr id="10" name="Picture 9"/>
+          <p:cNvPicPr>
+            <a:picLocks noChangeAspect="1"/>
+          </p:cNvPicPr>
+          <p:nvPr/>
+        </p:nvPicPr>
+        <p:blipFill>
+          <a:blip r:embed="rId2"/>
+          <a:stretch>
+            <a:fillRect/>
+          </a:stretch>
+        </p:blipFill>
+        <p:spPr>
+          <a:xfrm>
+            <a:off x="8621792" y="396240"/>
+            <a:ext cx="3402567" cy="3861688"/>
+          </a:xfrm>
+          <a:prstGeom prst="rect">
+            <a:avLst/>
+          </a:prstGeom>
+        </p:spPr>
+      </p:pic>
+      <p:sp>
+        <p:nvSpPr>
+          <p:cNvPr id="211" name="Rectangle 210"/>
+          <p:cNvSpPr/>
+          <p:nvPr/>
+        </p:nvSpPr>
+        <p:spPr>
+          <a:xfrm>
+            <a:off x="8201391" y="4544814"/>
+            <a:ext cx="3822969" cy="2215991"/>
+          </a:xfrm>
+          <a:prstGeom prst="rect">
+            <a:avLst/>
+          </a:prstGeom>
+        </p:spPr>
+        <p:txBody>
+          <a:bodyPr wrap="square">
+            <a:spAutoFit/>
+          </a:bodyPr>
+          <a:lstStyle/>
+          <a:p>
+            <a:r>
+              <a:rPr lang="en-US" b="1" u="sng" dirty="0"/>
+              <a:t>Automated Analysis</a:t>
+            </a:r>
+          </a:p>
+          <a:p>
+            <a:r>
+              <a:rPr lang="en-US" sz="1000" dirty="0"/>
+              <a:t>If these steps were followed as written, a single experiment will result in a single folder containing 100s of TIFs, </a:t>
+            </a:r>
+            <a:r>
+              <a:rPr lang="en-US" sz="1000" dirty="0">
+                <a:latin typeface="Courier New" panose="02070309020205020404" pitchFamily="49" charset="0"/>
+                <a:cs typeface="Courier New" panose="02070309020205020404" pitchFamily="49" charset="0"/>
+              </a:rPr>
+              <a:t>experiment.txt</a:t>
+            </a:r>
+            <a:r>
+              <a:rPr lang="en-US" sz="1000" dirty="0"/>
+              <a:t>, </a:t>
+            </a:r>
+            <a:r>
+              <a:rPr lang="en-US" sz="1000" dirty="0">
+                <a:latin typeface="Courier New" panose="02070309020205020404" pitchFamily="49" charset="0"/>
+                <a:cs typeface="Courier New" panose="02070309020205020404" pitchFamily="49" charset="0"/>
+              </a:rPr>
+              <a:t>RoiSet.zip</a:t>
+            </a:r>
+            <a:r>
+              <a:rPr lang="en-US" sz="1000" dirty="0"/>
+              <a:t>, and </a:t>
+            </a:r>
+            <a:r>
+              <a:rPr lang="en-US" sz="1000" dirty="0">
+                <a:latin typeface="Courier New" panose="02070309020205020404" pitchFamily="49" charset="0"/>
+                <a:cs typeface="Courier New" panose="02070309020205020404" pitchFamily="49" charset="0"/>
+              </a:rPr>
+              <a:t>Results.xls</a:t>
+            </a:r>
+            <a:r>
+              <a:rPr lang="en-US" sz="1000" dirty="0"/>
+              <a:t>. Analysis is automatic and occurs when the user goes to the web page for this folder.</a:t>
+            </a:r>
+          </a:p>
+          <a:p>
+            <a:endParaRPr lang="en-US" sz="1000" dirty="0"/>
+          </a:p>
+          <a:p>
+            <a:r>
+              <a:rPr lang="en-US" sz="1000" b="1" dirty="0"/>
+              <a:t>Invisible steps that occur when you load the web page:</a:t>
+            </a:r>
+          </a:p>
+          <a:p>
+            <a:pPr marL="171450" indent="-171450">
+              <a:buFont typeface="Arial" panose="020B0604020202020204" pitchFamily="34" charset="0"/>
+              <a:buChar char="•"/>
+            </a:pPr>
+            <a:r>
+              <a:rPr lang="en-US" sz="1000" dirty="0"/>
+              <a:t>An R script creates </a:t>
+            </a:r>
+            <a:r>
+              <a:rPr lang="en-US" sz="1000" dirty="0">
+                <a:latin typeface="Courier New" panose="02070309020205020404" pitchFamily="49" charset="0"/>
+                <a:cs typeface="Courier New" panose="02070309020205020404" pitchFamily="49" charset="0"/>
+              </a:rPr>
+              <a:t>results_B.xls</a:t>
+            </a:r>
+            <a:r>
+              <a:rPr lang="en-US" sz="1000" dirty="0"/>
+              <a:t> which contains ROI data in baseline-subtracted </a:t>
+            </a:r>
+            <a:r>
+              <a:rPr lang="el-GR" sz="1000" dirty="0"/>
+              <a:t>Δ</a:t>
+            </a:r>
+            <a:r>
+              <a:rPr lang="en-US" sz="1000" dirty="0"/>
+              <a:t>F/F units.</a:t>
+            </a:r>
+          </a:p>
+          <a:p>
+            <a:pPr marL="171450" indent="-171450">
+              <a:buFont typeface="Arial" panose="020B0604020202020204" pitchFamily="34" charset="0"/>
+              <a:buChar char="•"/>
+            </a:pPr>
+            <a:r>
+              <a:rPr lang="en-US" sz="1000" dirty="0"/>
+              <a:t>An R script creates graphs of ROI data in </a:t>
+            </a:r>
+            <a:r>
+              <a:rPr lang="el-GR" sz="1000" dirty="0"/>
+              <a:t>Δ</a:t>
+            </a:r>
+            <a:r>
+              <a:rPr lang="en-US" sz="1000" dirty="0"/>
+              <a:t>F/F units.</a:t>
+            </a:r>
+          </a:p>
+          <a:p>
+            <a:pPr marL="171450" indent="-171450">
+              <a:buFont typeface="Arial" panose="020B0604020202020204" pitchFamily="34" charset="0"/>
+              <a:buChar char="•"/>
+            </a:pPr>
+            <a:r>
+              <a:rPr lang="en-US" sz="1000" dirty="0"/>
+              <a:t>A Python script combines these results with the series of TIFs to create a HTML5-compatible video (</a:t>
+            </a:r>
+            <a:r>
+              <a:rPr lang="en-US" sz="1000" dirty="0">
+                <a:latin typeface="Courier New" panose="02070309020205020404" pitchFamily="49" charset="0"/>
+                <a:cs typeface="Courier New" panose="02070309020205020404" pitchFamily="49" charset="0"/>
+              </a:rPr>
+              <a:t>render.mp4</a:t>
+            </a:r>
+            <a:r>
+              <a:rPr lang="en-US" sz="1000" dirty="0"/>
+              <a:t>)</a:t>
+            </a:r>
+          </a:p>
+          <a:p>
+            <a:endParaRPr lang="en-US" sz="1000" dirty="0"/>
+          </a:p>
+        </p:txBody>
+      </p:sp>
+    </p:spTree>
+    <p:extLst>
+      <p:ext uri="{BB962C8B-B14F-4D97-AF65-F5344CB8AC3E}">
+        <p14:creationId xmlns:p14="http://schemas.microsoft.com/office/powerpoint/2010/main" val="3352135169"/>
+      </p:ext>
+    </p:extLst>
+  </p:cSld>
+  <p:clrMapOvr>
+    <a:masterClrMapping/>
+  </p:clrMapOvr>
+</p:sld>
+</file>
+
+<file path=ppt/slides/slide2.xml><?xml version="1.0" encoding="utf-8"?>
 <p:sld xmlns:a="http://schemas.openxmlformats.org/drawingml/2006/main" xmlns:r="http://schemas.openxmlformats.org/officeDocument/2006/relationships" xmlns:p="http://schemas.openxmlformats.org/presentationml/2006/main">
   <p:cSld>
     <p:spTree>
